--- a/Explicação.pptx
+++ b/Explicação.pptx
@@ -9600,8 +9600,8 @@
         </p:nvSpPr>
         <p:spPr>
           <a:xfrm>
-            <a:off x="1018191" y="685800"/>
-            <a:ext cx="7411825" cy="1752599"/>
+            <a:off x="1018191" y="0"/>
+            <a:ext cx="7411825" cy="2009567"/>
           </a:xfrm>
         </p:spPr>
         <p:txBody>
@@ -9636,8 +9636,8 @@
         </p:nvSpPr>
         <p:spPr>
           <a:xfrm>
-            <a:off x="1018190" y="2666999"/>
-            <a:ext cx="7243603" cy="3230218"/>
+            <a:off x="1018190" y="2014330"/>
+            <a:ext cx="7243603" cy="3882887"/>
           </a:xfrm>
         </p:spPr>
         <p:txBody>
@@ -9653,18 +9653,80 @@
                 </a:solidFill>
                 <a:latin typeface="Consolas" panose="020B0609020204030204" pitchFamily="49" charset="0"/>
               </a:rPr>
-              <a:t>Passo 1: No arquivo main.py existem 3 exemplos de entradas para testar na aplicação, você só precisa copiar um exemplo e colar no arquivo de entrada(input.txt) dentro do diretório ‘files’. </a:t>
-            </a:r>
-          </a:p>
-          <a:p>
-            <a:r>
+              <a:t>Passo 1: Clone o projeto com o seguinte comando:</a:t>
+            </a:r>
+            <a:br>
               <a:rPr lang="pt-BR" sz="1800" b="1" dirty="0">
                 <a:solidFill>
                   <a:srgbClr val="569CD6"/>
                 </a:solidFill>
                 <a:latin typeface="Consolas" panose="020B0609020204030204" pitchFamily="49" charset="0"/>
               </a:rPr>
-              <a:t>Passo 2: De qualquer terminal, dentro do diretório ‘</a:t>
+            </a:br>
+            <a:r>
+              <a:rPr lang="pt-BR" sz="1800" b="1" dirty="0">
+                <a:solidFill>
+                  <a:srgbClr val="569CD6"/>
+                </a:solidFill>
+                <a:latin typeface="Consolas" panose="020B0609020204030204" pitchFamily="49" charset="0"/>
+              </a:rPr>
+              <a:t>&gt; </a:t>
+            </a:r>
+            <a:r>
+              <a:rPr lang="pt-BR" sz="1800" b="1" dirty="0" err="1">
+                <a:solidFill>
+                  <a:srgbClr val="569CD6"/>
+                </a:solidFill>
+                <a:latin typeface="Consolas" panose="020B0609020204030204" pitchFamily="49" charset="0"/>
+              </a:rPr>
+              <a:t>git</a:t>
+            </a:r>
+            <a:r>
+              <a:rPr lang="pt-BR" sz="1800" b="1" dirty="0">
+                <a:solidFill>
+                  <a:srgbClr val="569CD6"/>
+                </a:solidFill>
+                <a:latin typeface="Consolas" panose="020B0609020204030204" pitchFamily="49" charset="0"/>
+              </a:rPr>
+              <a:t> clone </a:t>
+            </a:r>
+            <a:r>
+              <a:rPr lang="pt-BR" sz="1800" b="1" dirty="0">
+                <a:solidFill>
+                  <a:srgbClr val="569CD6"/>
+                </a:solidFill>
+                <a:latin typeface="Consolas" panose="020B0609020204030204" pitchFamily="49" charset="0"/>
+                <a:hlinkClick r:id="rId3"/>
+              </a:rPr>
+              <a:t>https://github.com/silasprd/postman</a:t>
+            </a:r>
+            <a:endParaRPr lang="pt-BR" sz="1800" b="1" dirty="0">
+              <a:solidFill>
+                <a:srgbClr val="569CD6"/>
+              </a:solidFill>
+              <a:latin typeface="Consolas" panose="020B0609020204030204" pitchFamily="49" charset="0"/>
+            </a:endParaRPr>
+          </a:p>
+          <a:p>
+            <a:r>
+              <a:rPr lang="pt-BR" sz="1800" b="1" dirty="0">
+                <a:solidFill>
+                  <a:srgbClr val="569CD6"/>
+                </a:solidFill>
+                <a:latin typeface="Consolas" panose="020B0609020204030204" pitchFamily="49" charset="0"/>
+              </a:rPr>
+              <a:t>Passe 2: Copie uma das entradas do arquivo ‘main.py’ e cole no arquivo input.txt dentro de ‘files’.</a:t>
+            </a:r>
+          </a:p>
+          <a:p>
+            <a:r>
+              <a:rPr lang="pt-BR" sz="1800" b="1" dirty="0">
+                <a:solidFill>
+                  <a:srgbClr val="569CD6"/>
+                </a:solidFill>
+                <a:latin typeface="Consolas" panose="020B0609020204030204" pitchFamily="49" charset="0"/>
+              </a:rPr>
+              <a:t>Passe 3: Dentro da pasta do projeto, acesse o diretório ‘</a:t>
             </a:r>
             <a:r>
               <a:rPr lang="pt-BR" sz="1800" b="1" dirty="0" err="1">
@@ -9682,7 +9744,7 @@
                 </a:solidFill>
                 <a:latin typeface="Consolas" panose="020B0609020204030204" pitchFamily="49" charset="0"/>
               </a:rPr>
-              <a:t>’, execute o arquivo ‘main.py’, comando: </a:t>
+              <a:t>’, você pode utilizar o comando: </a:t>
             </a:r>
             <a:br>
               <a:rPr lang="pt-BR" sz="1800" b="1" dirty="0">
@@ -9708,6 +9770,67 @@
                 </a:solidFill>
                 <a:latin typeface="Consolas" panose="020B0609020204030204" pitchFamily="49" charset="0"/>
               </a:rPr>
+              <a:t>cd</a:t>
+            </a:r>
+            <a:r>
+              <a:rPr lang="pt-BR" sz="1800" b="1" dirty="0">
+                <a:solidFill>
+                  <a:srgbClr val="569CD6"/>
+                </a:solidFill>
+                <a:latin typeface="Consolas" panose="020B0609020204030204" pitchFamily="49" charset="0"/>
+              </a:rPr>
+              <a:t> </a:t>
+            </a:r>
+            <a:r>
+              <a:rPr lang="pt-BR" sz="1800" b="1" dirty="0" err="1">
+                <a:solidFill>
+                  <a:srgbClr val="569CD6"/>
+                </a:solidFill>
+                <a:latin typeface="Consolas" panose="020B0609020204030204" pitchFamily="49" charset="0"/>
+              </a:rPr>
+              <a:t>code</a:t>
+            </a:r>
+            <a:endParaRPr lang="pt-BR" sz="1800" b="1" dirty="0">
+              <a:solidFill>
+                <a:srgbClr val="569CD6"/>
+              </a:solidFill>
+              <a:latin typeface="Consolas" panose="020B0609020204030204" pitchFamily="49" charset="0"/>
+            </a:endParaRPr>
+          </a:p>
+          <a:p>
+            <a:r>
+              <a:rPr lang="pt-BR" sz="1800" b="1" dirty="0">
+                <a:solidFill>
+                  <a:srgbClr val="569CD6"/>
+                </a:solidFill>
+                <a:latin typeface="Consolas" panose="020B0609020204030204" pitchFamily="49" charset="0"/>
+              </a:rPr>
+              <a:t>Passo 4: Execute o arquivo ‘main.py’, com o comando:</a:t>
+            </a:r>
+            <a:br>
+              <a:rPr lang="pt-BR" sz="1800" b="1" dirty="0">
+                <a:solidFill>
+                  <a:srgbClr val="569CD6"/>
+                </a:solidFill>
+                <a:latin typeface="Consolas" panose="020B0609020204030204" pitchFamily="49" charset="0"/>
+              </a:rPr>
+            </a:br>
+            <a:r>
+              <a:rPr lang="pt-BR" sz="1800" b="1" dirty="0">
+                <a:solidFill>
+                  <a:srgbClr val="569CD6"/>
+                </a:solidFill>
+                <a:latin typeface="Consolas" panose="020B0609020204030204" pitchFamily="49" charset="0"/>
+              </a:rPr>
+              <a:t>&gt; </a:t>
+            </a:r>
+            <a:r>
+              <a:rPr lang="pt-BR" sz="1800" b="1" dirty="0" err="1">
+                <a:solidFill>
+                  <a:srgbClr val="569CD6"/>
+                </a:solidFill>
+                <a:latin typeface="Consolas" panose="020B0609020204030204" pitchFamily="49" charset="0"/>
+              </a:rPr>
               <a:t>py</a:t>
             </a:r>
             <a:r>
@@ -9728,9 +9851,8 @@
                 </a:solidFill>
                 <a:latin typeface="Consolas" panose="020B0609020204030204" pitchFamily="49" charset="0"/>
               </a:rPr>
-              <a:t>Passo 3: O algoritmo irá realizar uma análise dos valores, e será gerado um arquivo de saída no diretório ‘files’ com a distância total e as ligações entre os pontos que gerarão um menor percurso.</a:t>
-            </a:r>
-            <a:endParaRPr lang="pt-BR" sz="1800" dirty="0"/>
+              <a:t>Passo 5: Será gerado um arquivo(output.txt) no diretório ‘files’ com todas as ligações de um ponto ao outro e a distância mínima encontrada.</a:t>
+            </a:r>
           </a:p>
         </p:txBody>
       </p:sp>
@@ -10569,6 +10691,14 @@
 </file>
 
 <file path=customXml/item2.xml><?xml version="1.0" encoding="utf-8"?>
+<p:properties xmlns:p="http://schemas.microsoft.com/office/2006/metadata/properties" xmlns:xsi="http://www.w3.org/2001/XMLSchema-instance" xmlns:pc="http://schemas.microsoft.com/office/infopath/2007/PartnerControls">
+  <documentManagement>
+    <MediaServiceKeyPoints xmlns="71af3243-3dd4-4a8d-8c0d-dd76da1f02a5" xsi:nil="true"/>
+  </documentManagement>
+</p:properties>
+</file>
+
+<file path=customXml/item3.xml><?xml version="1.0" encoding="utf-8"?>
 <ct:contentTypeSchema xmlns:ct="http://schemas.microsoft.com/office/2006/metadata/contentType" xmlns:ma="http://schemas.microsoft.com/office/2006/metadata/properties/metaAttributes" ct:_="" ma:_="" ma:contentTypeName="Document" ma:contentTypeID="0x01010079F111ED35F8CC479449609E8A0923A6" ma:contentTypeVersion="11" ma:contentTypeDescription="Create a new document." ma:contentTypeScope="" ma:versionID="9677210f24a1be23c92c90fd886aa0aa">
   <xsd:schema xmlns:xsd="http://www.w3.org/2001/XMLSchema" xmlns:xs="http://www.w3.org/2001/XMLSchema" xmlns:p="http://schemas.microsoft.com/office/2006/metadata/properties" xmlns:ns2="71af3243-3dd4-4a8d-8c0d-dd76da1f02a5" xmlns:ns3="16c05727-aa75-4e4a-9b5f-8a80a1165891" targetNamespace="http://schemas.microsoft.com/office/2006/metadata/properties" ma:root="true" ma:fieldsID="60e05723c5c1908df1a1a4ebf11d344e" ns2:_="" ns3:_="">
     <xsd:import namespace="71af3243-3dd4-4a8d-8c0d-dd76da1f02a5"/>
@@ -10779,14 +10909,6 @@
 </ct:contentTypeSchema>
 </file>
 
-<file path=customXml/item3.xml><?xml version="1.0" encoding="utf-8"?>
-<p:properties xmlns:p="http://schemas.microsoft.com/office/2006/metadata/properties" xmlns:xsi="http://www.w3.org/2001/XMLSchema-instance" xmlns:pc="http://schemas.microsoft.com/office/infopath/2007/PartnerControls">
-  <documentManagement>
-    <MediaServiceKeyPoints xmlns="71af3243-3dd4-4a8d-8c0d-dd76da1f02a5" xsi:nil="true"/>
-  </documentManagement>
-</p:properties>
-</file>
-
 <file path=customXml/itemProps1.xml><?xml version="1.0" encoding="utf-8"?>
 <ds:datastoreItem xmlns:ds="http://schemas.openxmlformats.org/officeDocument/2006/customXml" ds:itemID="{33315AA3-EAE3-44ED-8368-BAC2FFFB4817}">
   <ds:schemaRefs>
@@ -10796,6 +10918,16 @@
 </file>
 
 <file path=customXml/itemProps2.xml><?xml version="1.0" encoding="utf-8"?>
+<ds:datastoreItem xmlns:ds="http://schemas.openxmlformats.org/officeDocument/2006/customXml" ds:itemID="{D7023227-530E-4024-91EF-312A851A758C}">
+  <ds:schemaRefs>
+    <ds:schemaRef ds:uri="http://schemas.microsoft.com/office/2006/metadata/properties"/>
+    <ds:schemaRef ds:uri="http://schemas.microsoft.com/office/infopath/2007/PartnerControls"/>
+    <ds:schemaRef ds:uri="71af3243-3dd4-4a8d-8c0d-dd76da1f02a5"/>
+  </ds:schemaRefs>
+</ds:datastoreItem>
+</file>
+
+<file path=customXml/itemProps3.xml><?xml version="1.0" encoding="utf-8"?>
 <ds:datastoreItem xmlns:ds="http://schemas.openxmlformats.org/officeDocument/2006/customXml" ds:itemID="{627C19A7-3107-4CB2-BD0D-F7C79BE028CC}">
   <ds:schemaRefs>
     <ds:schemaRef ds:uri="http://schemas.microsoft.com/office/2006/metadata/contentType"/>
@@ -10812,14 +10944,4 @@
     <ds:schemaRef ds:uri="http://schemas.microsoft.com/internal/obd"/>
   </ds:schemaRefs>
 </ds:datastoreItem>
-</file>
-
-<file path=customXml/itemProps3.xml><?xml version="1.0" encoding="utf-8"?>
-<ds:datastoreItem xmlns:ds="http://schemas.openxmlformats.org/officeDocument/2006/customXml" ds:itemID="{D7023227-530E-4024-91EF-312A851A758C}">
-  <ds:schemaRefs>
-    <ds:schemaRef ds:uri="http://schemas.microsoft.com/office/2006/metadata/properties"/>
-    <ds:schemaRef ds:uri="http://schemas.microsoft.com/office/infopath/2007/PartnerControls"/>
-    <ds:schemaRef ds:uri="71af3243-3dd4-4a8d-8c0d-dd76da1f02a5"/>
-  </ds:schemaRefs>
-</ds:datastoreItem>
 </file>
--- a/Explicação.pptx
+++ b/Explicação.pptx
@@ -8356,7 +8356,7 @@
                 </a:solidFill>
                 <a:latin typeface="Consolas" panose="020B0609020204030204" pitchFamily="49" charset="0"/>
               </a:rPr>
-              <a:t>Realizar uma análise que encontre a menor distância possível para percorrer todos os pontos informados, partindo de um ponto inicial.</a:t>
+              <a:t>Realizar uma análise que encontre a menor distância possível para percorrer todos os ponto de entrega informados, partindo de um ponto inicial.</a:t>
             </a:r>
           </a:p>
           <a:p>
@@ -10691,14 +10691,6 @@
 </file>
 
 <file path=customXml/item2.xml><?xml version="1.0" encoding="utf-8"?>
-<p:properties xmlns:p="http://schemas.microsoft.com/office/2006/metadata/properties" xmlns:xsi="http://www.w3.org/2001/XMLSchema-instance" xmlns:pc="http://schemas.microsoft.com/office/infopath/2007/PartnerControls">
-  <documentManagement>
-    <MediaServiceKeyPoints xmlns="71af3243-3dd4-4a8d-8c0d-dd76da1f02a5" xsi:nil="true"/>
-  </documentManagement>
-</p:properties>
-</file>
-
-<file path=customXml/item3.xml><?xml version="1.0" encoding="utf-8"?>
 <ct:contentTypeSchema xmlns:ct="http://schemas.microsoft.com/office/2006/metadata/contentType" xmlns:ma="http://schemas.microsoft.com/office/2006/metadata/properties/metaAttributes" ct:_="" ma:_="" ma:contentTypeName="Document" ma:contentTypeID="0x01010079F111ED35F8CC479449609E8A0923A6" ma:contentTypeVersion="11" ma:contentTypeDescription="Create a new document." ma:contentTypeScope="" ma:versionID="9677210f24a1be23c92c90fd886aa0aa">
   <xsd:schema xmlns:xsd="http://www.w3.org/2001/XMLSchema" xmlns:xs="http://www.w3.org/2001/XMLSchema" xmlns:p="http://schemas.microsoft.com/office/2006/metadata/properties" xmlns:ns2="71af3243-3dd4-4a8d-8c0d-dd76da1f02a5" xmlns:ns3="16c05727-aa75-4e4a-9b5f-8a80a1165891" targetNamespace="http://schemas.microsoft.com/office/2006/metadata/properties" ma:root="true" ma:fieldsID="60e05723c5c1908df1a1a4ebf11d344e" ns2:_="" ns3:_="">
     <xsd:import namespace="71af3243-3dd4-4a8d-8c0d-dd76da1f02a5"/>
@@ -10909,6 +10901,14 @@
 </ct:contentTypeSchema>
 </file>
 
+<file path=customXml/item3.xml><?xml version="1.0" encoding="utf-8"?>
+<p:properties xmlns:p="http://schemas.microsoft.com/office/2006/metadata/properties" xmlns:xsi="http://www.w3.org/2001/XMLSchema-instance" xmlns:pc="http://schemas.microsoft.com/office/infopath/2007/PartnerControls">
+  <documentManagement>
+    <MediaServiceKeyPoints xmlns="71af3243-3dd4-4a8d-8c0d-dd76da1f02a5" xsi:nil="true"/>
+  </documentManagement>
+</p:properties>
+</file>
+
 <file path=customXml/itemProps1.xml><?xml version="1.0" encoding="utf-8"?>
 <ds:datastoreItem xmlns:ds="http://schemas.openxmlformats.org/officeDocument/2006/customXml" ds:itemID="{33315AA3-EAE3-44ED-8368-BAC2FFFB4817}">
   <ds:schemaRefs>
@@ -10918,16 +10918,6 @@
 </file>
 
 <file path=customXml/itemProps2.xml><?xml version="1.0" encoding="utf-8"?>
-<ds:datastoreItem xmlns:ds="http://schemas.openxmlformats.org/officeDocument/2006/customXml" ds:itemID="{D7023227-530E-4024-91EF-312A851A758C}">
-  <ds:schemaRefs>
-    <ds:schemaRef ds:uri="http://schemas.microsoft.com/office/2006/metadata/properties"/>
-    <ds:schemaRef ds:uri="http://schemas.microsoft.com/office/infopath/2007/PartnerControls"/>
-    <ds:schemaRef ds:uri="71af3243-3dd4-4a8d-8c0d-dd76da1f02a5"/>
-  </ds:schemaRefs>
-</ds:datastoreItem>
-</file>
-
-<file path=customXml/itemProps3.xml><?xml version="1.0" encoding="utf-8"?>
 <ds:datastoreItem xmlns:ds="http://schemas.openxmlformats.org/officeDocument/2006/customXml" ds:itemID="{627C19A7-3107-4CB2-BD0D-F7C79BE028CC}">
   <ds:schemaRefs>
     <ds:schemaRef ds:uri="http://schemas.microsoft.com/office/2006/metadata/contentType"/>
@@ -10944,4 +10934,14 @@
     <ds:schemaRef ds:uri="http://schemas.microsoft.com/internal/obd"/>
   </ds:schemaRefs>
 </ds:datastoreItem>
+</file>
+
+<file path=customXml/itemProps3.xml><?xml version="1.0" encoding="utf-8"?>
+<ds:datastoreItem xmlns:ds="http://schemas.openxmlformats.org/officeDocument/2006/customXml" ds:itemID="{D7023227-530E-4024-91EF-312A851A758C}">
+  <ds:schemaRefs>
+    <ds:schemaRef ds:uri="http://schemas.microsoft.com/office/2006/metadata/properties"/>
+    <ds:schemaRef ds:uri="http://schemas.microsoft.com/office/infopath/2007/PartnerControls"/>
+    <ds:schemaRef ds:uri="71af3243-3dd4-4a8d-8c0d-dd76da1f02a5"/>
+  </ds:schemaRefs>
+</ds:datastoreItem>
 </file>
--- a/Explicação.pptx
+++ b/Explicação.pptx
@@ -9620,239 +9620,283 @@
       </p:sp>
       <p:sp>
         <p:nvSpPr>
-          <p:cNvPr id="3" name="Espaço Reservado para Conteúdo 2">
+          <p:cNvPr id="6" name="Espaço Reservado para Conteúdo 2">
             <a:extLst>
               <a:ext uri="{FF2B5EF4-FFF2-40B4-BE49-F238E27FC236}">
-                <a16:creationId xmlns:a16="http://schemas.microsoft.com/office/drawing/2014/main" id="{60DFF4FA-F598-4962-B6AB-31A8BE724E52}"/>
+                <a16:creationId xmlns:a16="http://schemas.microsoft.com/office/drawing/2014/main" id="{A2BEAA82-B1F5-13EB-E045-44F58FFE0066}"/>
               </a:ext>
             </a:extLst>
           </p:cNvPr>
-          <p:cNvSpPr>
-            <a:spLocks noGrp="1"/>
-          </p:cNvSpPr>
-          <p:nvPr>
-            <p:ph idx="1"/>
-          </p:nvPr>
+          <p:cNvSpPr txBox="1">
+            <a:spLocks/>
+          </p:cNvSpPr>
+          <p:nvPr/>
         </p:nvSpPr>
         <p:spPr>
           <a:xfrm>
-            <a:off x="1018190" y="2014330"/>
-            <a:ext cx="7243603" cy="3882887"/>
+            <a:off x="1018190" y="2666999"/>
+            <a:ext cx="7243603" cy="2719193"/>
           </a:xfrm>
+          <a:prstGeom prst="rect">
+            <a:avLst/>
+          </a:prstGeom>
         </p:spPr>
         <p:txBody>
-          <a:bodyPr rtlCol="0" anchor="t">
+          <a:bodyPr vert="horz" lIns="91440" tIns="45720" rIns="91440" bIns="45720" rtlCol="0" anchor="t">
             <a:normAutofit lnSpcReduction="10000"/>
           </a:bodyPr>
-          <a:lstStyle/>
+          <a:lstStyle>
+            <a:lvl1pPr marL="285750" indent="-285750" algn="l" defTabSz="457200" rtl="0" eaLnBrk="1" latinLnBrk="0" hangingPunct="1">
+              <a:spcBef>
+                <a:spcPct val="20000"/>
+              </a:spcBef>
+              <a:spcAft>
+                <a:spcPts val="600"/>
+              </a:spcAft>
+              <a:buClr>
+                <a:schemeClr val="accent1">
+                  <a:lumMod val="75000"/>
+                </a:schemeClr>
+              </a:buClr>
+              <a:buSzPct val="145000"/>
+              <a:buFont typeface="Arial"/>
+              <a:buChar char="•"/>
+              <a:defRPr sz="2400" kern="1200" cap="none">
+                <a:solidFill>
+                  <a:schemeClr val="tx1"/>
+                </a:solidFill>
+                <a:effectLst/>
+                <a:latin typeface="+mn-lt"/>
+                <a:ea typeface="+mn-ea"/>
+                <a:cs typeface="+mn-cs"/>
+              </a:defRPr>
+            </a:lvl1pPr>
+            <a:lvl2pPr marL="742950" indent="-285750" algn="l" defTabSz="457200" rtl="0" eaLnBrk="1" latinLnBrk="0" hangingPunct="1">
+              <a:spcBef>
+                <a:spcPct val="20000"/>
+              </a:spcBef>
+              <a:spcAft>
+                <a:spcPts val="600"/>
+              </a:spcAft>
+              <a:buClr>
+                <a:schemeClr val="accent1">
+                  <a:lumMod val="75000"/>
+                </a:schemeClr>
+              </a:buClr>
+              <a:buSzPct val="145000"/>
+              <a:buFont typeface="Arial"/>
+              <a:buChar char="•"/>
+              <a:defRPr sz="2000" kern="1200" cap="none">
+                <a:solidFill>
+                  <a:schemeClr val="tx1"/>
+                </a:solidFill>
+                <a:effectLst/>
+                <a:latin typeface="+mn-lt"/>
+                <a:ea typeface="+mn-ea"/>
+                <a:cs typeface="+mn-cs"/>
+              </a:defRPr>
+            </a:lvl2pPr>
+            <a:lvl3pPr marL="1200150" indent="-285750" algn="l" defTabSz="457200" rtl="0" eaLnBrk="1" latinLnBrk="0" hangingPunct="1">
+              <a:spcBef>
+                <a:spcPct val="20000"/>
+              </a:spcBef>
+              <a:spcAft>
+                <a:spcPts val="600"/>
+              </a:spcAft>
+              <a:buClr>
+                <a:schemeClr val="accent1">
+                  <a:lumMod val="75000"/>
+                </a:schemeClr>
+              </a:buClr>
+              <a:buSzPct val="145000"/>
+              <a:buFont typeface="Arial"/>
+              <a:buChar char="•"/>
+              <a:defRPr sz="1800" kern="1200" cap="none">
+                <a:solidFill>
+                  <a:schemeClr val="tx1"/>
+                </a:solidFill>
+                <a:effectLst/>
+                <a:latin typeface="+mn-lt"/>
+                <a:ea typeface="+mn-ea"/>
+                <a:cs typeface="+mn-cs"/>
+              </a:defRPr>
+            </a:lvl3pPr>
+            <a:lvl4pPr marL="1543050" indent="-171450" algn="l" defTabSz="457200" rtl="0" eaLnBrk="1" latinLnBrk="0" hangingPunct="1">
+              <a:spcBef>
+                <a:spcPct val="20000"/>
+              </a:spcBef>
+              <a:spcAft>
+                <a:spcPts val="600"/>
+              </a:spcAft>
+              <a:buClr>
+                <a:schemeClr val="accent1">
+                  <a:lumMod val="75000"/>
+                </a:schemeClr>
+              </a:buClr>
+              <a:buSzPct val="145000"/>
+              <a:buFont typeface="Arial"/>
+              <a:buChar char="•"/>
+              <a:defRPr sz="1600" kern="1200" cap="none">
+                <a:solidFill>
+                  <a:schemeClr val="tx1"/>
+                </a:solidFill>
+                <a:effectLst/>
+                <a:latin typeface="+mn-lt"/>
+                <a:ea typeface="+mn-ea"/>
+                <a:cs typeface="+mn-cs"/>
+              </a:defRPr>
+            </a:lvl4pPr>
+            <a:lvl5pPr marL="2000250" indent="-171450" algn="l" defTabSz="457200" rtl="0" eaLnBrk="1" latinLnBrk="0" hangingPunct="1">
+              <a:spcBef>
+                <a:spcPct val="20000"/>
+              </a:spcBef>
+              <a:spcAft>
+                <a:spcPts val="600"/>
+              </a:spcAft>
+              <a:buClr>
+                <a:schemeClr val="accent1">
+                  <a:lumMod val="75000"/>
+                </a:schemeClr>
+              </a:buClr>
+              <a:buSzPct val="145000"/>
+              <a:buFont typeface="Arial"/>
+              <a:buChar char="•"/>
+              <a:defRPr sz="1400" kern="1200" cap="none">
+                <a:solidFill>
+                  <a:schemeClr val="tx1"/>
+                </a:solidFill>
+                <a:effectLst/>
+                <a:latin typeface="+mn-lt"/>
+                <a:ea typeface="+mn-ea"/>
+                <a:cs typeface="+mn-cs"/>
+              </a:defRPr>
+            </a:lvl5pPr>
+            <a:lvl6pPr marL="2514600" indent="-228600" algn="l" defTabSz="457200" rtl="0" eaLnBrk="1" latinLnBrk="0" hangingPunct="1">
+              <a:spcBef>
+                <a:spcPct val="20000"/>
+              </a:spcBef>
+              <a:spcAft>
+                <a:spcPts val="600"/>
+              </a:spcAft>
+              <a:buClr>
+                <a:schemeClr val="accent1">
+                  <a:lumMod val="75000"/>
+                </a:schemeClr>
+              </a:buClr>
+              <a:buSzPct val="145000"/>
+              <a:buFont typeface="Arial"/>
+              <a:buChar char="•"/>
+              <a:defRPr sz="1400" kern="1200" cap="none">
+                <a:solidFill>
+                  <a:schemeClr val="tx1"/>
+                </a:solidFill>
+                <a:effectLst/>
+                <a:latin typeface="+mn-lt"/>
+                <a:ea typeface="+mn-ea"/>
+                <a:cs typeface="+mn-cs"/>
+              </a:defRPr>
+            </a:lvl6pPr>
+            <a:lvl7pPr marL="2971800" indent="-228600" algn="l" defTabSz="457200" rtl="0" eaLnBrk="1" latinLnBrk="0" hangingPunct="1">
+              <a:spcBef>
+                <a:spcPct val="20000"/>
+              </a:spcBef>
+              <a:spcAft>
+                <a:spcPts val="600"/>
+              </a:spcAft>
+              <a:buClr>
+                <a:schemeClr val="accent1">
+                  <a:lumMod val="75000"/>
+                </a:schemeClr>
+              </a:buClr>
+              <a:buSzPct val="145000"/>
+              <a:buFont typeface="Arial"/>
+              <a:buChar char="•"/>
+              <a:defRPr sz="1400" kern="1200" cap="none">
+                <a:solidFill>
+                  <a:schemeClr val="tx1"/>
+                </a:solidFill>
+                <a:effectLst/>
+                <a:latin typeface="+mn-lt"/>
+                <a:ea typeface="+mn-ea"/>
+                <a:cs typeface="+mn-cs"/>
+              </a:defRPr>
+            </a:lvl7pPr>
+            <a:lvl8pPr marL="3429000" indent="-228600" algn="l" defTabSz="457200" rtl="0" eaLnBrk="1" latinLnBrk="0" hangingPunct="1">
+              <a:spcBef>
+                <a:spcPct val="20000"/>
+              </a:spcBef>
+              <a:spcAft>
+                <a:spcPts val="600"/>
+              </a:spcAft>
+              <a:buClr>
+                <a:schemeClr val="accent1">
+                  <a:lumMod val="75000"/>
+                </a:schemeClr>
+              </a:buClr>
+              <a:buSzPct val="145000"/>
+              <a:buFont typeface="Arial"/>
+              <a:buChar char="•"/>
+              <a:defRPr sz="1400" kern="1200" cap="none">
+                <a:solidFill>
+                  <a:schemeClr val="tx1"/>
+                </a:solidFill>
+                <a:effectLst/>
+                <a:latin typeface="+mn-lt"/>
+                <a:ea typeface="+mn-ea"/>
+                <a:cs typeface="+mn-cs"/>
+              </a:defRPr>
+            </a:lvl8pPr>
+            <a:lvl9pPr marL="3886200" indent="-228600" algn="l" defTabSz="457200" rtl="0" eaLnBrk="1" latinLnBrk="0" hangingPunct="1">
+              <a:spcBef>
+                <a:spcPct val="20000"/>
+              </a:spcBef>
+              <a:spcAft>
+                <a:spcPts val="600"/>
+              </a:spcAft>
+              <a:buClr>
+                <a:schemeClr val="accent1">
+                  <a:lumMod val="75000"/>
+                </a:schemeClr>
+              </a:buClr>
+              <a:buSzPct val="145000"/>
+              <a:buFont typeface="Arial"/>
+              <a:buChar char="•"/>
+              <a:defRPr sz="1400" kern="1200" cap="none">
+                <a:solidFill>
+                  <a:schemeClr val="tx1"/>
+                </a:solidFill>
+                <a:effectLst/>
+                <a:latin typeface="+mn-lt"/>
+                <a:ea typeface="+mn-ea"/>
+                <a:cs typeface="+mn-cs"/>
+              </a:defRPr>
+            </a:lvl9pPr>
+          </a:lstStyle>
           <a:p>
             <a:r>
-              <a:rPr lang="pt-BR" sz="1800" b="1" dirty="0">
+              <a:rPr lang="pt-BR" b="1" dirty="0">
                 <a:solidFill>
                   <a:srgbClr val="569CD6"/>
                 </a:solidFill>
                 <a:latin typeface="Consolas" panose="020B0609020204030204" pitchFamily="49" charset="0"/>
               </a:rPr>
-              <a:t>Passo 1: Clone o projeto com o seguinte comando:</a:t>
+              <a:t>Ao executar o projeto, após fornecer os valores no arquivo de entrada, o algoritmo abre o arquivo e inicia uma análise. Após realizar a análise ele gera um arquivo de saída contendo as ligações de um ponto a outro e o valor da distância mínima encontrada.</a:t>
             </a:r>
-            <a:br>
-              <a:rPr lang="pt-BR" sz="1800" b="1" dirty="0">
-                <a:solidFill>
-                  <a:srgbClr val="569CD6"/>
-                </a:solidFill>
-                <a:latin typeface="Consolas" panose="020B0609020204030204" pitchFamily="49" charset="0"/>
-              </a:rPr>
-            </a:br>
-            <a:r>
-              <a:rPr lang="pt-BR" sz="1800" b="1" dirty="0">
-                <a:solidFill>
-                  <a:srgbClr val="569CD6"/>
-                </a:solidFill>
-                <a:latin typeface="Consolas" panose="020B0609020204030204" pitchFamily="49" charset="0"/>
-              </a:rPr>
-              <a:t>&gt; </a:t>
-            </a:r>
-            <a:r>
-              <a:rPr lang="pt-BR" sz="1800" b="1" dirty="0" err="1">
-                <a:solidFill>
-                  <a:srgbClr val="569CD6"/>
-                </a:solidFill>
-                <a:latin typeface="Consolas" panose="020B0609020204030204" pitchFamily="49" charset="0"/>
-              </a:rPr>
-              <a:t>git</a:t>
-            </a:r>
-            <a:r>
-              <a:rPr lang="pt-BR" sz="1800" b="1" dirty="0">
-                <a:solidFill>
-                  <a:srgbClr val="569CD6"/>
-                </a:solidFill>
-                <a:latin typeface="Consolas" panose="020B0609020204030204" pitchFamily="49" charset="0"/>
-              </a:rPr>
-              <a:t> clone </a:t>
-            </a:r>
-            <a:r>
-              <a:rPr lang="pt-BR" sz="1800" b="1" dirty="0">
-                <a:solidFill>
-                  <a:srgbClr val="569CD6"/>
-                </a:solidFill>
-                <a:latin typeface="Consolas" panose="020B0609020204030204" pitchFamily="49" charset="0"/>
-                <a:hlinkClick r:id="rId3"/>
-              </a:rPr>
-              <a:t>https://github.com/silasprd/postman</a:t>
-            </a:r>
-            <a:endParaRPr lang="pt-BR" sz="1800" b="1" dirty="0">
+          </a:p>
+          <a:p>
+            <a:endParaRPr lang="pt-BR" dirty="0">
               <a:solidFill>
-                <a:srgbClr val="569CD6"/>
+                <a:srgbClr val="D4D4D4"/>
               </a:solidFill>
               <a:latin typeface="Consolas" panose="020B0609020204030204" pitchFamily="49" charset="0"/>
             </a:endParaRPr>
           </a:p>
           <a:p>
-            <a:r>
-              <a:rPr lang="pt-BR" sz="1800" b="1" dirty="0">
-                <a:solidFill>
-                  <a:srgbClr val="569CD6"/>
-                </a:solidFill>
-                <a:latin typeface="Consolas" panose="020B0609020204030204" pitchFamily="49" charset="0"/>
-              </a:rPr>
-              <a:t>Passe 2: Copie uma das entradas do arquivo ‘main.py’ e cole no arquivo input.txt dentro de ‘files’.</a:t>
-            </a:r>
-          </a:p>
-          <a:p>
-            <a:r>
-              <a:rPr lang="pt-BR" sz="1800" b="1" dirty="0">
-                <a:solidFill>
-                  <a:srgbClr val="569CD6"/>
-                </a:solidFill>
-                <a:latin typeface="Consolas" panose="020B0609020204030204" pitchFamily="49" charset="0"/>
-              </a:rPr>
-              <a:t>Passe 3: Dentro da pasta do projeto, acesse o diretório ‘</a:t>
-            </a:r>
-            <a:r>
-              <a:rPr lang="pt-BR" sz="1800" b="1" dirty="0" err="1">
-                <a:solidFill>
-                  <a:srgbClr val="569CD6"/>
-                </a:solidFill>
-                <a:latin typeface="Consolas" panose="020B0609020204030204" pitchFamily="49" charset="0"/>
-              </a:rPr>
-              <a:t>code</a:t>
-            </a:r>
-            <a:r>
-              <a:rPr lang="pt-BR" sz="1800" b="1" dirty="0">
-                <a:solidFill>
-                  <a:srgbClr val="569CD6"/>
-                </a:solidFill>
-                <a:latin typeface="Consolas" panose="020B0609020204030204" pitchFamily="49" charset="0"/>
-              </a:rPr>
-              <a:t>’, você pode utilizar o comando: </a:t>
-            </a:r>
-            <a:br>
-              <a:rPr lang="pt-BR" sz="1800" b="1" dirty="0">
-                <a:solidFill>
-                  <a:srgbClr val="569CD6"/>
-                </a:solidFill>
-                <a:latin typeface="Consolas" panose="020B0609020204030204" pitchFamily="49" charset="0"/>
-              </a:rPr>
-            </a:br>
-            <a:r>
-              <a:rPr lang="pt-BR" sz="1800" b="1" dirty="0">
-                <a:solidFill>
-                  <a:srgbClr val="569CD6"/>
-                </a:solidFill>
-                <a:latin typeface="Consolas" panose="020B0609020204030204" pitchFamily="49" charset="0"/>
-              </a:rPr>
-              <a:t>&gt; </a:t>
-            </a:r>
-            <a:r>
-              <a:rPr lang="pt-BR" sz="1800" b="1" dirty="0" err="1">
-                <a:solidFill>
-                  <a:srgbClr val="569CD6"/>
-                </a:solidFill>
-                <a:latin typeface="Consolas" panose="020B0609020204030204" pitchFamily="49" charset="0"/>
-              </a:rPr>
-              <a:t>cd</a:t>
-            </a:r>
-            <a:r>
-              <a:rPr lang="pt-BR" sz="1800" b="1" dirty="0">
-                <a:solidFill>
-                  <a:srgbClr val="569CD6"/>
-                </a:solidFill>
-                <a:latin typeface="Consolas" panose="020B0609020204030204" pitchFamily="49" charset="0"/>
-              </a:rPr>
-              <a:t> </a:t>
-            </a:r>
-            <a:r>
-              <a:rPr lang="pt-BR" sz="1800" b="1" dirty="0" err="1">
-                <a:solidFill>
-                  <a:srgbClr val="569CD6"/>
-                </a:solidFill>
-                <a:latin typeface="Consolas" panose="020B0609020204030204" pitchFamily="49" charset="0"/>
-              </a:rPr>
-              <a:t>code</a:t>
-            </a:r>
-            <a:endParaRPr lang="pt-BR" sz="1800" b="1" dirty="0">
-              <a:solidFill>
-                <a:srgbClr val="569CD6"/>
-              </a:solidFill>
-              <a:latin typeface="Consolas" panose="020B0609020204030204" pitchFamily="49" charset="0"/>
-            </a:endParaRPr>
-          </a:p>
-          <a:p>
-            <a:r>
-              <a:rPr lang="pt-BR" sz="1800" b="1" dirty="0">
-                <a:solidFill>
-                  <a:srgbClr val="569CD6"/>
-                </a:solidFill>
-                <a:latin typeface="Consolas" panose="020B0609020204030204" pitchFamily="49" charset="0"/>
-              </a:rPr>
-              <a:t>Passo 4: Execute o arquivo ‘main.py’, com o comando:</a:t>
-            </a:r>
-            <a:br>
-              <a:rPr lang="pt-BR" sz="1800" b="1" dirty="0">
-                <a:solidFill>
-                  <a:srgbClr val="569CD6"/>
-                </a:solidFill>
-                <a:latin typeface="Consolas" panose="020B0609020204030204" pitchFamily="49" charset="0"/>
-              </a:rPr>
-            </a:br>
-            <a:r>
-              <a:rPr lang="pt-BR" sz="1800" b="1" dirty="0">
-                <a:solidFill>
-                  <a:srgbClr val="569CD6"/>
-                </a:solidFill>
-                <a:latin typeface="Consolas" panose="020B0609020204030204" pitchFamily="49" charset="0"/>
-              </a:rPr>
-              <a:t>&gt; </a:t>
-            </a:r>
-            <a:r>
-              <a:rPr lang="pt-BR" sz="1800" b="1" dirty="0" err="1">
-                <a:solidFill>
-                  <a:srgbClr val="569CD6"/>
-                </a:solidFill>
-                <a:latin typeface="Consolas" panose="020B0609020204030204" pitchFamily="49" charset="0"/>
-              </a:rPr>
-              <a:t>py</a:t>
-            </a:r>
-            <a:r>
-              <a:rPr lang="pt-BR" sz="1800" b="1" dirty="0">
-                <a:solidFill>
-                  <a:srgbClr val="569CD6"/>
-                </a:solidFill>
-                <a:latin typeface="Consolas" panose="020B0609020204030204" pitchFamily="49" charset="0"/>
-              </a:rPr>
-              <a:t> main.py</a:t>
-            </a:r>
-          </a:p>
-          <a:p>
-            <a:r>
-              <a:rPr lang="pt-BR" sz="1800" b="1" dirty="0">
-                <a:solidFill>
-                  <a:srgbClr val="569CD6"/>
-                </a:solidFill>
-                <a:latin typeface="Consolas" panose="020B0609020204030204" pitchFamily="49" charset="0"/>
-              </a:rPr>
-              <a:t>Passo 5: Será gerado um arquivo(output.txt) no diretório ‘files’ com todas as ligações de um ponto ao outro e a distância mínima encontrada.</a:t>
-            </a:r>
+            <a:pPr marL="0" indent="0">
+              <a:buFont typeface="Arial"/>
+              <a:buNone/>
+            </a:pPr>
+            <a:endParaRPr lang="pt-BR" sz="1800" dirty="0"/>
           </a:p>
         </p:txBody>
       </p:sp>
@@ -10691,6 +10735,14 @@
 </file>
 
 <file path=customXml/item2.xml><?xml version="1.0" encoding="utf-8"?>
+<p:properties xmlns:p="http://schemas.microsoft.com/office/2006/metadata/properties" xmlns:xsi="http://www.w3.org/2001/XMLSchema-instance" xmlns:pc="http://schemas.microsoft.com/office/infopath/2007/PartnerControls">
+  <documentManagement>
+    <MediaServiceKeyPoints xmlns="71af3243-3dd4-4a8d-8c0d-dd76da1f02a5" xsi:nil="true"/>
+  </documentManagement>
+</p:properties>
+</file>
+
+<file path=customXml/item3.xml><?xml version="1.0" encoding="utf-8"?>
 <ct:contentTypeSchema xmlns:ct="http://schemas.microsoft.com/office/2006/metadata/contentType" xmlns:ma="http://schemas.microsoft.com/office/2006/metadata/properties/metaAttributes" ct:_="" ma:_="" ma:contentTypeName="Document" ma:contentTypeID="0x01010079F111ED35F8CC479449609E8A0923A6" ma:contentTypeVersion="11" ma:contentTypeDescription="Create a new document." ma:contentTypeScope="" ma:versionID="9677210f24a1be23c92c90fd886aa0aa">
   <xsd:schema xmlns:xsd="http://www.w3.org/2001/XMLSchema" xmlns:xs="http://www.w3.org/2001/XMLSchema" xmlns:p="http://schemas.microsoft.com/office/2006/metadata/properties" xmlns:ns2="71af3243-3dd4-4a8d-8c0d-dd76da1f02a5" xmlns:ns3="16c05727-aa75-4e4a-9b5f-8a80a1165891" targetNamespace="http://schemas.microsoft.com/office/2006/metadata/properties" ma:root="true" ma:fieldsID="60e05723c5c1908df1a1a4ebf11d344e" ns2:_="" ns3:_="">
     <xsd:import namespace="71af3243-3dd4-4a8d-8c0d-dd76da1f02a5"/>
@@ -10901,14 +10953,6 @@
 </ct:contentTypeSchema>
 </file>
 
-<file path=customXml/item3.xml><?xml version="1.0" encoding="utf-8"?>
-<p:properties xmlns:p="http://schemas.microsoft.com/office/2006/metadata/properties" xmlns:xsi="http://www.w3.org/2001/XMLSchema-instance" xmlns:pc="http://schemas.microsoft.com/office/infopath/2007/PartnerControls">
-  <documentManagement>
-    <MediaServiceKeyPoints xmlns="71af3243-3dd4-4a8d-8c0d-dd76da1f02a5" xsi:nil="true"/>
-  </documentManagement>
-</p:properties>
-</file>
-
 <file path=customXml/itemProps1.xml><?xml version="1.0" encoding="utf-8"?>
 <ds:datastoreItem xmlns:ds="http://schemas.openxmlformats.org/officeDocument/2006/customXml" ds:itemID="{33315AA3-EAE3-44ED-8368-BAC2FFFB4817}">
   <ds:schemaRefs>
@@ -10918,6 +10962,16 @@
 </file>
 
 <file path=customXml/itemProps2.xml><?xml version="1.0" encoding="utf-8"?>
+<ds:datastoreItem xmlns:ds="http://schemas.openxmlformats.org/officeDocument/2006/customXml" ds:itemID="{D7023227-530E-4024-91EF-312A851A758C}">
+  <ds:schemaRefs>
+    <ds:schemaRef ds:uri="http://schemas.microsoft.com/office/2006/metadata/properties"/>
+    <ds:schemaRef ds:uri="http://schemas.microsoft.com/office/infopath/2007/PartnerControls"/>
+    <ds:schemaRef ds:uri="71af3243-3dd4-4a8d-8c0d-dd76da1f02a5"/>
+  </ds:schemaRefs>
+</ds:datastoreItem>
+</file>
+
+<file path=customXml/itemProps3.xml><?xml version="1.0" encoding="utf-8"?>
 <ds:datastoreItem xmlns:ds="http://schemas.openxmlformats.org/officeDocument/2006/customXml" ds:itemID="{627C19A7-3107-4CB2-BD0D-F7C79BE028CC}">
   <ds:schemaRefs>
     <ds:schemaRef ds:uri="http://schemas.microsoft.com/office/2006/metadata/contentType"/>
@@ -10934,14 +10988,4 @@
     <ds:schemaRef ds:uri="http://schemas.microsoft.com/internal/obd"/>
   </ds:schemaRefs>
 </ds:datastoreItem>
-</file>
-
-<file path=customXml/itemProps3.xml><?xml version="1.0" encoding="utf-8"?>
-<ds:datastoreItem xmlns:ds="http://schemas.openxmlformats.org/officeDocument/2006/customXml" ds:itemID="{D7023227-530E-4024-91EF-312A851A758C}">
-  <ds:schemaRefs>
-    <ds:schemaRef ds:uri="http://schemas.microsoft.com/office/2006/metadata/properties"/>
-    <ds:schemaRef ds:uri="http://schemas.microsoft.com/office/infopath/2007/PartnerControls"/>
-    <ds:schemaRef ds:uri="71af3243-3dd4-4a8d-8c0d-dd76da1f02a5"/>
-  </ds:schemaRefs>
-</ds:datastoreItem>
 </file>